--- a/Stock Price Modeling.pptx
+++ b/Stock Price Modeling.pptx
@@ -18712,7 +18712,18 @@
             </a:pPr>
             <a:r>
               <a:rPr lang="en-US" dirty="0"/>
-              <a:t>For regression models, makes a prediction that is average of other multiple regression models.</a:t>
+              <a:t>For regression models:</a:t>
+            </a:r>
+          </a:p>
+          <a:p>
+            <a:pPr marL="742950" lvl="1" indent="-285750">
+              <a:spcBef>
+                <a:spcPts val="0"/>
+              </a:spcBef>
+            </a:pPr>
+            <a:r>
+              <a:rPr lang="en-US" dirty="0"/>
+              <a:t>makes a prediction that is the average of multiple regression models.</a:t>
             </a:r>
             <a:endParaRPr dirty="0"/>
           </a:p>
@@ -18732,7 +18743,7 @@
             </a:pPr>
             <a:r>
               <a:rPr lang="en-US" dirty="0"/>
-              <a:t>For classification models</a:t>
+              <a:t>For classification models:</a:t>
             </a:r>
           </a:p>
           <a:p>

--- a/Stock Price Modeling.pptx
+++ b/Stock Price Modeling.pptx
@@ -22,8 +22,8 @@
     <p:sldId id="267" r:id="rId13"/>
     <p:sldId id="279" r:id="rId14"/>
     <p:sldId id="269" r:id="rId15"/>
-    <p:sldId id="270" r:id="rId16"/>
-    <p:sldId id="271" r:id="rId17"/>
+    <p:sldId id="271" r:id="rId16"/>
+    <p:sldId id="270" r:id="rId17"/>
     <p:sldId id="272" r:id="rId18"/>
     <p:sldId id="273" r:id="rId19"/>
     <p:sldId id="274" r:id="rId20"/>
@@ -1579,7 +1579,7 @@
               </a:spcAft>
               <a:buNone/>
             </a:pPr>
-            <a:endParaRPr/>
+            <a:endParaRPr dirty="0"/>
           </a:p>
         </p:txBody>
       </p:sp>
@@ -2492,6 +2492,194 @@
   <p:cSld>
     <p:spTree>
       <p:nvGrpSpPr>
+        <p:cNvPr id="1" name="Shape 251"/>
+        <p:cNvGrpSpPr/>
+        <p:nvPr/>
+      </p:nvGrpSpPr>
+      <p:grpSpPr>
+        <a:xfrm>
+          <a:off x="0" y="0"/>
+          <a:ext cx="0" cy="0"/>
+          <a:chOff x="0" y="0"/>
+          <a:chExt cx="0" cy="0"/>
+        </a:xfrm>
+      </p:grpSpPr>
+      <p:sp>
+        <p:nvSpPr>
+          <p:cNvPr id="252" name="Google Shape;252;g26e2335a8d6_0_28:notes"/>
+          <p:cNvSpPr>
+            <a:spLocks noGrp="1" noRot="1" noChangeAspect="1"/>
+          </p:cNvSpPr>
+          <p:nvPr>
+            <p:ph type="sldImg" idx="2"/>
+          </p:nvPr>
+        </p:nvSpPr>
+        <p:spPr>
+          <a:xfrm>
+            <a:off x="685800" y="1143000"/>
+            <a:ext cx="5486400" cy="3086100"/>
+          </a:xfrm>
+          <a:custGeom>
+            <a:avLst/>
+            <a:gdLst/>
+            <a:ahLst/>
+            <a:cxnLst/>
+            <a:rect l="l" t="t" r="r" b="b"/>
+            <a:pathLst>
+              <a:path w="120000" h="120000" extrusionOk="0">
+                <a:moveTo>
+                  <a:pt x="0" y="0"/>
+                </a:moveTo>
+                <a:lnTo>
+                  <a:pt x="120000" y="0"/>
+                </a:lnTo>
+                <a:lnTo>
+                  <a:pt x="120000" y="120000"/>
+                </a:lnTo>
+                <a:lnTo>
+                  <a:pt x="0" y="120000"/>
+                </a:lnTo>
+                <a:close/>
+              </a:path>
+            </a:pathLst>
+          </a:custGeom>
+          <a:noFill/>
+          <a:ln w="12700" cap="flat" cmpd="sng">
+            <a:solidFill>
+              <a:srgbClr val="000000"/>
+            </a:solidFill>
+            <a:prstDash val="solid"/>
+            <a:round/>
+            <a:headEnd type="none" w="sm" len="sm"/>
+            <a:tailEnd type="none" w="sm" len="sm"/>
+          </a:ln>
+        </p:spPr>
+      </p:sp>
+      <p:sp>
+        <p:nvSpPr>
+          <p:cNvPr id="253" name="Google Shape;253;g26e2335a8d6_0_28:notes"/>
+          <p:cNvSpPr txBox="1">
+            <a:spLocks noGrp="1"/>
+          </p:cNvSpPr>
+          <p:nvPr>
+            <p:ph type="body" idx="1"/>
+          </p:nvPr>
+        </p:nvSpPr>
+        <p:spPr>
+          <a:xfrm>
+            <a:off x="685800" y="4400550"/>
+            <a:ext cx="5486400" cy="3600600"/>
+          </a:xfrm>
+          <a:prstGeom prst="rect">
+            <a:avLst/>
+          </a:prstGeom>
+          <a:noFill/>
+          <a:ln>
+            <a:noFill/>
+          </a:ln>
+        </p:spPr>
+        <p:txBody>
+          <a:bodyPr spcFirstLastPara="1" wrap="square" lIns="91425" tIns="45700" rIns="91425" bIns="45700" anchor="t" anchorCtr="0">
+            <a:noAutofit/>
+          </a:bodyPr>
+          <a:lstStyle/>
+          <a:p>
+            <a:pPr marL="0" lvl="0" indent="0" algn="l" rtl="0">
+              <a:spcBef>
+                <a:spcPts val="0"/>
+              </a:spcBef>
+              <a:spcAft>
+                <a:spcPts val="0"/>
+              </a:spcAft>
+              <a:buNone/>
+            </a:pPr>
+            <a:endParaRPr/>
+          </a:p>
+        </p:txBody>
+      </p:sp>
+      <p:sp>
+        <p:nvSpPr>
+          <p:cNvPr id="254" name="Google Shape;254;g26e2335a8d6_0_28:notes"/>
+          <p:cNvSpPr txBox="1">
+            <a:spLocks noGrp="1"/>
+          </p:cNvSpPr>
+          <p:nvPr>
+            <p:ph type="sldNum" idx="12"/>
+          </p:nvPr>
+        </p:nvSpPr>
+        <p:spPr>
+          <a:xfrm>
+            <a:off x="3884613" y="8685213"/>
+            <a:ext cx="2971800" cy="458700"/>
+          </a:xfrm>
+          <a:prstGeom prst="rect">
+            <a:avLst/>
+          </a:prstGeom>
+          <a:noFill/>
+          <a:ln>
+            <a:noFill/>
+          </a:ln>
+        </p:spPr>
+        <p:txBody>
+          <a:bodyPr spcFirstLastPara="1" wrap="square" lIns="91425" tIns="45700" rIns="91425" bIns="45700" anchor="b" anchorCtr="0">
+            <a:noAutofit/>
+          </a:bodyPr>
+          <a:lstStyle/>
+          <a:p>
+            <a:pPr marL="0" marR="0" lvl="0" indent="0" algn="r" rtl="0">
+              <a:lnSpc>
+                <a:spcPct val="100000"/>
+              </a:lnSpc>
+              <a:spcBef>
+                <a:spcPts val="0"/>
+              </a:spcBef>
+              <a:spcAft>
+                <a:spcPts val="0"/>
+              </a:spcAft>
+              <a:buClr>
+                <a:srgbClr val="000000"/>
+              </a:buClr>
+              <a:buSzPts val="1200"/>
+              <a:buFont typeface="Calibri"/>
+              <a:buNone/>
+            </a:pPr>
+            <a:fld id="{00000000-1234-1234-1234-123412341234}" type="slidenum">
+              <a:rPr lang="en-US" sz="1200" b="0" i="0" u="none" strike="noStrike" cap="none">
+                <a:solidFill>
+                  <a:srgbClr val="000000"/>
+                </a:solidFill>
+                <a:latin typeface="Calibri"/>
+                <a:ea typeface="Calibri"/>
+                <a:cs typeface="Calibri"/>
+                <a:sym typeface="Calibri"/>
+              </a:rPr>
+              <a:t>15</a:t>
+            </a:fld>
+            <a:endParaRPr sz="1200" b="0" i="0" u="none" strike="noStrike" cap="none">
+              <a:solidFill>
+                <a:srgbClr val="000000"/>
+              </a:solidFill>
+              <a:latin typeface="Calibri"/>
+              <a:ea typeface="Calibri"/>
+              <a:cs typeface="Calibri"/>
+              <a:sym typeface="Calibri"/>
+            </a:endParaRPr>
+          </a:p>
+        </p:txBody>
+      </p:sp>
+    </p:spTree>
+  </p:cSld>
+  <p:clrMapOvr>
+    <a:masterClrMapping/>
+  </p:clrMapOvr>
+</p:notes>
+</file>
+
+<file path=ppt/notesSlides/notesSlide16.xml><?xml version="1.0" encoding="utf-8"?>
+<p:notes xmlns:a="http://schemas.openxmlformats.org/drawingml/2006/main" xmlns:r="http://schemas.openxmlformats.org/officeDocument/2006/relationships" xmlns:p="http://schemas.openxmlformats.org/presentationml/2006/main" showMasterSp="0" showMasterPhAnim="0">
+  <p:cSld>
+    <p:spTree>
+      <p:nvGrpSpPr>
         <p:cNvPr id="1" name="Shape 244"/>
         <p:cNvGrpSpPr/>
         <p:nvPr/>
@@ -2611,194 +2799,6 @@
           <a:xfrm>
             <a:off x="3884613" y="8685213"/>
             <a:ext cx="2971800" cy="458787"/>
-          </a:xfrm>
-          <a:prstGeom prst="rect">
-            <a:avLst/>
-          </a:prstGeom>
-          <a:noFill/>
-          <a:ln>
-            <a:noFill/>
-          </a:ln>
-        </p:spPr>
-        <p:txBody>
-          <a:bodyPr spcFirstLastPara="1" wrap="square" lIns="91425" tIns="45700" rIns="91425" bIns="45700" anchor="b" anchorCtr="0">
-            <a:noAutofit/>
-          </a:bodyPr>
-          <a:lstStyle/>
-          <a:p>
-            <a:pPr marL="0" marR="0" lvl="0" indent="0" algn="r" rtl="0">
-              <a:lnSpc>
-                <a:spcPct val="100000"/>
-              </a:lnSpc>
-              <a:spcBef>
-                <a:spcPts val="0"/>
-              </a:spcBef>
-              <a:spcAft>
-                <a:spcPts val="0"/>
-              </a:spcAft>
-              <a:buClr>
-                <a:srgbClr val="000000"/>
-              </a:buClr>
-              <a:buSzPts val="1200"/>
-              <a:buFont typeface="Calibri"/>
-              <a:buNone/>
-            </a:pPr>
-            <a:fld id="{00000000-1234-1234-1234-123412341234}" type="slidenum">
-              <a:rPr lang="en-US" sz="1200" b="0" i="0" u="none" strike="noStrike" cap="none">
-                <a:solidFill>
-                  <a:srgbClr val="000000"/>
-                </a:solidFill>
-                <a:latin typeface="Calibri"/>
-                <a:ea typeface="Calibri"/>
-                <a:cs typeface="Calibri"/>
-                <a:sym typeface="Calibri"/>
-              </a:rPr>
-              <a:t>15</a:t>
-            </a:fld>
-            <a:endParaRPr sz="1200" b="0" i="0" u="none" strike="noStrike" cap="none">
-              <a:solidFill>
-                <a:srgbClr val="000000"/>
-              </a:solidFill>
-              <a:latin typeface="Calibri"/>
-              <a:ea typeface="Calibri"/>
-              <a:cs typeface="Calibri"/>
-              <a:sym typeface="Calibri"/>
-            </a:endParaRPr>
-          </a:p>
-        </p:txBody>
-      </p:sp>
-    </p:spTree>
-  </p:cSld>
-  <p:clrMapOvr>
-    <a:masterClrMapping/>
-  </p:clrMapOvr>
-</p:notes>
-</file>
-
-<file path=ppt/notesSlides/notesSlide16.xml><?xml version="1.0" encoding="utf-8"?>
-<p:notes xmlns:a="http://schemas.openxmlformats.org/drawingml/2006/main" xmlns:r="http://schemas.openxmlformats.org/officeDocument/2006/relationships" xmlns:p="http://schemas.openxmlformats.org/presentationml/2006/main" showMasterSp="0" showMasterPhAnim="0">
-  <p:cSld>
-    <p:spTree>
-      <p:nvGrpSpPr>
-        <p:cNvPr id="1" name="Shape 251"/>
-        <p:cNvGrpSpPr/>
-        <p:nvPr/>
-      </p:nvGrpSpPr>
-      <p:grpSpPr>
-        <a:xfrm>
-          <a:off x="0" y="0"/>
-          <a:ext cx="0" cy="0"/>
-          <a:chOff x="0" y="0"/>
-          <a:chExt cx="0" cy="0"/>
-        </a:xfrm>
-      </p:grpSpPr>
-      <p:sp>
-        <p:nvSpPr>
-          <p:cNvPr id="252" name="Google Shape;252;g26e2335a8d6_0_28:notes"/>
-          <p:cNvSpPr>
-            <a:spLocks noGrp="1" noRot="1" noChangeAspect="1"/>
-          </p:cNvSpPr>
-          <p:nvPr>
-            <p:ph type="sldImg" idx="2"/>
-          </p:nvPr>
-        </p:nvSpPr>
-        <p:spPr>
-          <a:xfrm>
-            <a:off x="685800" y="1143000"/>
-            <a:ext cx="5486400" cy="3086100"/>
-          </a:xfrm>
-          <a:custGeom>
-            <a:avLst/>
-            <a:gdLst/>
-            <a:ahLst/>
-            <a:cxnLst/>
-            <a:rect l="l" t="t" r="r" b="b"/>
-            <a:pathLst>
-              <a:path w="120000" h="120000" extrusionOk="0">
-                <a:moveTo>
-                  <a:pt x="0" y="0"/>
-                </a:moveTo>
-                <a:lnTo>
-                  <a:pt x="120000" y="0"/>
-                </a:lnTo>
-                <a:lnTo>
-                  <a:pt x="120000" y="120000"/>
-                </a:lnTo>
-                <a:lnTo>
-                  <a:pt x="0" y="120000"/>
-                </a:lnTo>
-                <a:close/>
-              </a:path>
-            </a:pathLst>
-          </a:custGeom>
-          <a:noFill/>
-          <a:ln w="12700" cap="flat" cmpd="sng">
-            <a:solidFill>
-              <a:srgbClr val="000000"/>
-            </a:solidFill>
-            <a:prstDash val="solid"/>
-            <a:round/>
-            <a:headEnd type="none" w="sm" len="sm"/>
-            <a:tailEnd type="none" w="sm" len="sm"/>
-          </a:ln>
-        </p:spPr>
-      </p:sp>
-      <p:sp>
-        <p:nvSpPr>
-          <p:cNvPr id="253" name="Google Shape;253;g26e2335a8d6_0_28:notes"/>
-          <p:cNvSpPr txBox="1">
-            <a:spLocks noGrp="1"/>
-          </p:cNvSpPr>
-          <p:nvPr>
-            <p:ph type="body" idx="1"/>
-          </p:nvPr>
-        </p:nvSpPr>
-        <p:spPr>
-          <a:xfrm>
-            <a:off x="685800" y="4400550"/>
-            <a:ext cx="5486400" cy="3600600"/>
-          </a:xfrm>
-          <a:prstGeom prst="rect">
-            <a:avLst/>
-          </a:prstGeom>
-          <a:noFill/>
-          <a:ln>
-            <a:noFill/>
-          </a:ln>
-        </p:spPr>
-        <p:txBody>
-          <a:bodyPr spcFirstLastPara="1" wrap="square" lIns="91425" tIns="45700" rIns="91425" bIns="45700" anchor="t" anchorCtr="0">
-            <a:noAutofit/>
-          </a:bodyPr>
-          <a:lstStyle/>
-          <a:p>
-            <a:pPr marL="0" lvl="0" indent="0" algn="l" rtl="0">
-              <a:spcBef>
-                <a:spcPts val="0"/>
-              </a:spcBef>
-              <a:spcAft>
-                <a:spcPts val="0"/>
-              </a:spcAft>
-              <a:buNone/>
-            </a:pPr>
-            <a:endParaRPr/>
-          </a:p>
-        </p:txBody>
-      </p:sp>
-      <p:sp>
-        <p:nvSpPr>
-          <p:cNvPr id="254" name="Google Shape;254;g26e2335a8d6_0_28:notes"/>
-          <p:cNvSpPr txBox="1">
-            <a:spLocks noGrp="1"/>
-          </p:cNvSpPr>
-          <p:nvPr>
-            <p:ph type="sldNum" idx="12"/>
-          </p:nvPr>
-        </p:nvSpPr>
-        <p:spPr>
-          <a:xfrm>
-            <a:off x="3884613" y="8685213"/>
-            <a:ext cx="2971800" cy="458700"/>
           </a:xfrm>
           <a:prstGeom prst="rect">
             <a:avLst/>
@@ -4363,7 +4363,11 @@
               </a:spcAft>
               <a:buNone/>
             </a:pPr>
-            <a:endParaRPr/>
+            <a:r>
+              <a:rPr lang="en-US" dirty="0"/>
+              <a:t>Model averaging</a:t>
+            </a:r>
+            <a:endParaRPr dirty="0"/>
           </a:p>
         </p:txBody>
       </p:sp>
@@ -4527,7 +4531,11 @@
               </a:spcAft>
               <a:buNone/>
             </a:pPr>
-            <a:endParaRPr/>
+            <a:r>
+              <a:rPr lang="en-US" dirty="0"/>
+              <a:t>Loss function with weak learners</a:t>
+            </a:r>
+            <a:endParaRPr dirty="0"/>
           </a:p>
         </p:txBody>
       </p:sp>
@@ -19318,6 +19326,153 @@
   <p:cSld>
     <p:spTree>
       <p:nvGrpSpPr>
+        <p:cNvPr id="1" name="Shape 255"/>
+        <p:cNvGrpSpPr/>
+        <p:nvPr/>
+      </p:nvGrpSpPr>
+      <p:grpSpPr>
+        <a:xfrm>
+          <a:off x="0" y="0"/>
+          <a:ext cx="0" cy="0"/>
+          <a:chOff x="0" y="0"/>
+          <a:chExt cx="0" cy="0"/>
+        </a:xfrm>
+      </p:grpSpPr>
+      <p:sp>
+        <p:nvSpPr>
+          <p:cNvPr id="256" name="Google Shape;256;p31"/>
+          <p:cNvSpPr txBox="1">
+            <a:spLocks noGrp="1"/>
+          </p:cNvSpPr>
+          <p:nvPr>
+            <p:ph type="title"/>
+          </p:nvPr>
+        </p:nvSpPr>
+        <p:spPr>
+          <a:xfrm>
+            <a:off x="2932448" y="264160"/>
+            <a:ext cx="6327000" cy="460200"/>
+          </a:xfrm>
+          <a:prstGeom prst="rect">
+            <a:avLst/>
+          </a:prstGeom>
+          <a:noFill/>
+          <a:ln>
+            <a:noFill/>
+          </a:ln>
+        </p:spPr>
+        <p:txBody>
+          <a:bodyPr spcFirstLastPara="1" wrap="square" lIns="91425" tIns="45700" rIns="91425" bIns="45700" anchor="b" anchorCtr="0">
+            <a:noAutofit/>
+          </a:bodyPr>
+          <a:lstStyle/>
+          <a:p>
+            <a:pPr marL="0" lvl="0" indent="0" algn="ctr" rtl="0">
+              <a:lnSpc>
+                <a:spcPct val="90000"/>
+              </a:lnSpc>
+              <a:spcBef>
+                <a:spcPts val="0"/>
+              </a:spcBef>
+              <a:spcAft>
+                <a:spcPts val="0"/>
+              </a:spcAft>
+              <a:buClr>
+                <a:srgbClr val="1BDEF5"/>
+              </a:buClr>
+              <a:buSzPts val="3200"/>
+              <a:buFont typeface="Arial"/>
+              <a:buNone/>
+            </a:pPr>
+            <a:endParaRPr dirty="0"/>
+          </a:p>
+          <a:p>
+            <a:pPr marL="0" lvl="0" indent="0" algn="ctr" rtl="0">
+              <a:lnSpc>
+                <a:spcPct val="90000"/>
+              </a:lnSpc>
+              <a:spcBef>
+                <a:spcPts val="0"/>
+              </a:spcBef>
+              <a:spcAft>
+                <a:spcPts val="0"/>
+              </a:spcAft>
+              <a:buClr>
+                <a:srgbClr val="1BDEF5"/>
+              </a:buClr>
+              <a:buSzPts val="3200"/>
+              <a:buFont typeface="Arial"/>
+              <a:buNone/>
+            </a:pPr>
+            <a:endParaRPr dirty="0"/>
+          </a:p>
+          <a:p>
+            <a:pPr marL="0" lvl="0" indent="0" algn="ctr" rtl="0">
+              <a:lnSpc>
+                <a:spcPct val="90000"/>
+              </a:lnSpc>
+              <a:spcBef>
+                <a:spcPts val="0"/>
+              </a:spcBef>
+              <a:spcAft>
+                <a:spcPts val="0"/>
+              </a:spcAft>
+              <a:buClr>
+                <a:srgbClr val="1BDEF5"/>
+              </a:buClr>
+              <a:buSzPts val="3200"/>
+              <a:buFont typeface="Arial"/>
+              <a:buNone/>
+            </a:pPr>
+            <a:r>
+              <a:rPr lang="en-US" dirty="0"/>
+              <a:t>Optimized Model Validation</a:t>
+            </a:r>
+            <a:endParaRPr dirty="0"/>
+          </a:p>
+        </p:txBody>
+      </p:sp>
+      <p:pic>
+        <p:nvPicPr>
+          <p:cNvPr id="257" name="Google Shape;257;p31"/>
+          <p:cNvPicPr preferRelativeResize="0"/>
+          <p:nvPr/>
+        </p:nvPicPr>
+        <p:blipFill>
+          <a:blip r:embed="rId3">
+            <a:alphaModFix/>
+          </a:blip>
+          <a:stretch>
+            <a:fillRect/>
+          </a:stretch>
+        </p:blipFill>
+        <p:spPr>
+          <a:xfrm>
+            <a:off x="439092" y="1041149"/>
+            <a:ext cx="11313815" cy="4995066"/>
+          </a:xfrm>
+          <a:prstGeom prst="rect">
+            <a:avLst/>
+          </a:prstGeom>
+          <a:noFill/>
+          <a:ln>
+            <a:noFill/>
+          </a:ln>
+        </p:spPr>
+      </p:pic>
+    </p:spTree>
+  </p:cSld>
+  <p:clrMapOvr>
+    <a:masterClrMapping/>
+  </p:clrMapOvr>
+</p:sld>
+</file>
+
+<file path=ppt/slides/slide16.xml><?xml version="1.0" encoding="utf-8"?>
+<p:sld xmlns:a="http://schemas.openxmlformats.org/drawingml/2006/main" xmlns:r="http://schemas.openxmlformats.org/officeDocument/2006/relationships" xmlns:p="http://schemas.openxmlformats.org/presentationml/2006/main">
+  <p:cSld>
+    <p:spTree>
+      <p:nvGrpSpPr>
         <p:cNvPr id="1" name="Shape 248"/>
         <p:cNvGrpSpPr/>
         <p:nvPr/>
@@ -19442,153 +19597,6 @@
           <a:xfrm>
             <a:off x="780861" y="1176951"/>
             <a:ext cx="10630277" cy="5011093"/>
-          </a:xfrm>
-          <a:prstGeom prst="rect">
-            <a:avLst/>
-          </a:prstGeom>
-          <a:noFill/>
-          <a:ln>
-            <a:noFill/>
-          </a:ln>
-        </p:spPr>
-      </p:pic>
-    </p:spTree>
-  </p:cSld>
-  <p:clrMapOvr>
-    <a:masterClrMapping/>
-  </p:clrMapOvr>
-</p:sld>
-</file>
-
-<file path=ppt/slides/slide16.xml><?xml version="1.0" encoding="utf-8"?>
-<p:sld xmlns:a="http://schemas.openxmlformats.org/drawingml/2006/main" xmlns:r="http://schemas.openxmlformats.org/officeDocument/2006/relationships" xmlns:p="http://schemas.openxmlformats.org/presentationml/2006/main">
-  <p:cSld>
-    <p:spTree>
-      <p:nvGrpSpPr>
-        <p:cNvPr id="1" name="Shape 255"/>
-        <p:cNvGrpSpPr/>
-        <p:nvPr/>
-      </p:nvGrpSpPr>
-      <p:grpSpPr>
-        <a:xfrm>
-          <a:off x="0" y="0"/>
-          <a:ext cx="0" cy="0"/>
-          <a:chOff x="0" y="0"/>
-          <a:chExt cx="0" cy="0"/>
-        </a:xfrm>
-      </p:grpSpPr>
-      <p:sp>
-        <p:nvSpPr>
-          <p:cNvPr id="256" name="Google Shape;256;p31"/>
-          <p:cNvSpPr txBox="1">
-            <a:spLocks noGrp="1"/>
-          </p:cNvSpPr>
-          <p:nvPr>
-            <p:ph type="title"/>
-          </p:nvPr>
-        </p:nvSpPr>
-        <p:spPr>
-          <a:xfrm>
-            <a:off x="2932448" y="264160"/>
-            <a:ext cx="6327000" cy="460200"/>
-          </a:xfrm>
-          <a:prstGeom prst="rect">
-            <a:avLst/>
-          </a:prstGeom>
-          <a:noFill/>
-          <a:ln>
-            <a:noFill/>
-          </a:ln>
-        </p:spPr>
-        <p:txBody>
-          <a:bodyPr spcFirstLastPara="1" wrap="square" lIns="91425" tIns="45700" rIns="91425" bIns="45700" anchor="b" anchorCtr="0">
-            <a:noAutofit/>
-          </a:bodyPr>
-          <a:lstStyle/>
-          <a:p>
-            <a:pPr marL="0" lvl="0" indent="0" algn="ctr" rtl="0">
-              <a:lnSpc>
-                <a:spcPct val="90000"/>
-              </a:lnSpc>
-              <a:spcBef>
-                <a:spcPts val="0"/>
-              </a:spcBef>
-              <a:spcAft>
-                <a:spcPts val="0"/>
-              </a:spcAft>
-              <a:buClr>
-                <a:srgbClr val="1BDEF5"/>
-              </a:buClr>
-              <a:buSzPts val="3200"/>
-              <a:buFont typeface="Arial"/>
-              <a:buNone/>
-            </a:pPr>
-            <a:endParaRPr dirty="0"/>
-          </a:p>
-          <a:p>
-            <a:pPr marL="0" lvl="0" indent="0" algn="ctr" rtl="0">
-              <a:lnSpc>
-                <a:spcPct val="90000"/>
-              </a:lnSpc>
-              <a:spcBef>
-                <a:spcPts val="0"/>
-              </a:spcBef>
-              <a:spcAft>
-                <a:spcPts val="0"/>
-              </a:spcAft>
-              <a:buClr>
-                <a:srgbClr val="1BDEF5"/>
-              </a:buClr>
-              <a:buSzPts val="3200"/>
-              <a:buFont typeface="Arial"/>
-              <a:buNone/>
-            </a:pPr>
-            <a:endParaRPr dirty="0"/>
-          </a:p>
-          <a:p>
-            <a:pPr marL="0" lvl="0" indent="0" algn="ctr" rtl="0">
-              <a:lnSpc>
-                <a:spcPct val="90000"/>
-              </a:lnSpc>
-              <a:spcBef>
-                <a:spcPts val="0"/>
-              </a:spcBef>
-              <a:spcAft>
-                <a:spcPts val="0"/>
-              </a:spcAft>
-              <a:buClr>
-                <a:srgbClr val="1BDEF5"/>
-              </a:buClr>
-              <a:buSzPts val="3200"/>
-              <a:buFont typeface="Arial"/>
-              <a:buNone/>
-            </a:pPr>
-            <a:r>
-              <a:rPr lang="en-US" dirty="0"/>
-              <a:t>Optimized Model Validation</a:t>
-            </a:r>
-            <a:endParaRPr dirty="0"/>
-          </a:p>
-        </p:txBody>
-      </p:sp>
-      <p:pic>
-        <p:nvPicPr>
-          <p:cNvPr id="257" name="Google Shape;257;p31"/>
-          <p:cNvPicPr preferRelativeResize="0"/>
-          <p:nvPr/>
-        </p:nvPicPr>
-        <p:blipFill>
-          <a:blip r:embed="rId3">
-            <a:alphaModFix/>
-          </a:blip>
-          <a:stretch>
-            <a:fillRect/>
-          </a:stretch>
-        </p:blipFill>
-        <p:spPr>
-          <a:xfrm>
-            <a:off x="439092" y="1041149"/>
-            <a:ext cx="11313815" cy="4995066"/>
           </a:xfrm>
           <a:prstGeom prst="rect">
             <a:avLst/>

--- a/Stock Price Modeling.pptx
+++ b/Stock Price Modeling.pptx
@@ -3307,7 +3307,11 @@
               </a:spcAft>
               <a:buNone/>
             </a:pPr>
-            <a:endParaRPr/>
+            <a:r>
+              <a:rPr lang="en-US" dirty="0"/>
+              <a:t>Long-Short Term Model</a:t>
+            </a:r>
+            <a:endParaRPr dirty="0"/>
           </a:p>
         </p:txBody>
       </p:sp>
